--- a/material/Präsentation1.pptx
+++ b/material/Präsentation1.pptx
@@ -19,6 +19,7 @@
     <p:sldId id="270" r:id="rId13"/>
     <p:sldId id="256" r:id="rId14"/>
     <p:sldId id="257" r:id="rId15"/>
+    <p:sldId id="271" r:id="rId16"/>
   </p:sldIdLst>
   <p:sldSz cx="12192000" cy="6858000"/>
   <p:notesSz cx="6858000" cy="9144000"/>
@@ -10571,8 +10572,8 @@
         </p:nvSpPr>
         <p:spPr>
           <a:xfrm>
-            <a:off x="1098667" y="3962517"/>
-            <a:ext cx="565265" cy="542332"/>
+            <a:off x="1885320" y="3052482"/>
+            <a:ext cx="1684874" cy="1264416"/>
           </a:xfrm>
           <a:prstGeom prst="irregularSeal1">
             <a:avLst/>
@@ -14270,6 +14271,1142 @@
     <p:extLst>
       <p:ext uri="{BB962C8B-B14F-4D97-AF65-F5344CB8AC3E}">
         <p14:creationId xmlns:p14="http://schemas.microsoft.com/office/powerpoint/2010/main" val="76432342"/>
+      </p:ext>
+    </p:extLst>
+  </p:cSld>
+  <p:clrMapOvr>
+    <a:masterClrMapping/>
+  </p:clrMapOvr>
+</p:sld>
+</file>
+
+<file path=ppt/slides/slide15.xml><?xml version="1.0" encoding="utf-8"?>
+<p:sld xmlns:a="http://schemas.openxmlformats.org/drawingml/2006/main" xmlns:r="http://schemas.openxmlformats.org/officeDocument/2006/relationships" xmlns:p="http://schemas.openxmlformats.org/presentationml/2006/main">
+  <p:cSld>
+    <p:spTree>
+      <p:nvGrpSpPr>
+        <p:cNvPr id="1" name=""/>
+        <p:cNvGrpSpPr/>
+        <p:nvPr/>
+      </p:nvGrpSpPr>
+      <p:grpSpPr>
+        <a:xfrm>
+          <a:off x="0" y="0"/>
+          <a:ext cx="0" cy="0"/>
+          <a:chOff x="0" y="0"/>
+          <a:chExt cx="0" cy="0"/>
+        </a:xfrm>
+      </p:grpSpPr>
+      <p:pic>
+        <p:nvPicPr>
+          <p:cNvPr id="2050" name="Picture 2">
+            <a:extLst>
+              <a:ext uri="{FF2B5EF4-FFF2-40B4-BE49-F238E27FC236}">
+                <a16:creationId xmlns:a16="http://schemas.microsoft.com/office/drawing/2014/main" id="{E20D2B4C-DCB0-4AAE-A53B-ED9A0FA4C6B1}"/>
+              </a:ext>
+            </a:extLst>
+          </p:cNvPr>
+          <p:cNvPicPr>
+            <a:picLocks noChangeAspect="1" noChangeArrowheads="1"/>
+          </p:cNvPicPr>
+          <p:nvPr/>
+        </p:nvPicPr>
+        <p:blipFill>
+          <a:blip r:embed="rId2">
+            <a:extLst>
+              <a:ext uri="{28A0092B-C50C-407E-A947-70E740481C1C}">
+                <a14:useLocalDpi xmlns:a14="http://schemas.microsoft.com/office/drawing/2010/main" val="0"/>
+              </a:ext>
+            </a:extLst>
+          </a:blip>
+          <a:srcRect/>
+          <a:stretch>
+            <a:fillRect/>
+          </a:stretch>
+        </p:blipFill>
+        <p:spPr bwMode="auto">
+          <a:xfrm>
+            <a:off x="9063404" y="2267858"/>
+            <a:ext cx="3288045" cy="2768598"/>
+          </a:xfrm>
+          <a:prstGeom prst="rect">
+            <a:avLst/>
+          </a:prstGeom>
+          <a:noFill/>
+          <a:extLst>
+            <a:ext uri="{909E8E84-426E-40DD-AFC4-6F175D3DCCD1}">
+              <a14:hiddenFill xmlns:a14="http://schemas.microsoft.com/office/drawing/2010/main">
+                <a:solidFill>
+                  <a:srgbClr val="FFFFFF"/>
+                </a:solidFill>
+              </a14:hiddenFill>
+            </a:ext>
+          </a:extLst>
+        </p:spPr>
+      </p:pic>
+      <p:sp>
+        <p:nvSpPr>
+          <p:cNvPr id="73" name="Rechteck 72">
+            <a:extLst>
+              <a:ext uri="{FF2B5EF4-FFF2-40B4-BE49-F238E27FC236}">
+                <a16:creationId xmlns:a16="http://schemas.microsoft.com/office/drawing/2014/main" id="{42725B8F-0873-443D-8F28-971A99EA104F}"/>
+              </a:ext>
+            </a:extLst>
+          </p:cNvPr>
+          <p:cNvSpPr/>
+          <p:nvPr/>
+        </p:nvSpPr>
+        <p:spPr>
+          <a:xfrm>
+            <a:off x="7220857" y="137886"/>
+            <a:ext cx="3897086" cy="369332"/>
+          </a:xfrm>
+          <a:prstGeom prst="rect">
+            <a:avLst/>
+          </a:prstGeom>
+          <a:solidFill>
+            <a:schemeClr val="bg1"/>
+          </a:solidFill>
+        </p:spPr>
+        <p:style>
+          <a:lnRef idx="2">
+            <a:schemeClr val="accent1">
+              <a:shade val="50000"/>
+            </a:schemeClr>
+          </a:lnRef>
+          <a:fillRef idx="1">
+            <a:schemeClr val="accent1"/>
+          </a:fillRef>
+          <a:effectRef idx="0">
+            <a:schemeClr val="accent1"/>
+          </a:effectRef>
+          <a:fontRef idx="minor">
+            <a:schemeClr val="lt1"/>
+          </a:fontRef>
+        </p:style>
+        <p:txBody>
+          <a:bodyPr rtlCol="0" anchor="ctr"/>
+          <a:lstStyle/>
+          <a:p>
+            <a:pPr algn="ctr"/>
+            <a:endParaRPr lang="de-DE"/>
+          </a:p>
+        </p:txBody>
+      </p:sp>
+      <p:sp>
+        <p:nvSpPr>
+          <p:cNvPr id="4" name="Rechteck 3">
+            <a:extLst>
+              <a:ext uri="{FF2B5EF4-FFF2-40B4-BE49-F238E27FC236}">
+                <a16:creationId xmlns:a16="http://schemas.microsoft.com/office/drawing/2014/main" id="{FE20682F-3107-4F88-948C-5C97EBCC9420}"/>
+              </a:ext>
+            </a:extLst>
+          </p:cNvPr>
+          <p:cNvSpPr/>
+          <p:nvPr/>
+        </p:nvSpPr>
+        <p:spPr>
+          <a:xfrm>
+            <a:off x="-1" y="5036456"/>
+            <a:ext cx="12322629" cy="1821543"/>
+          </a:xfrm>
+          <a:prstGeom prst="rect">
+            <a:avLst/>
+          </a:prstGeom>
+          <a:solidFill>
+            <a:schemeClr val="accent4">
+              <a:lumMod val="40000"/>
+              <a:lumOff val="60000"/>
+            </a:schemeClr>
+          </a:solidFill>
+          <a:ln>
+            <a:noFill/>
+          </a:ln>
+        </p:spPr>
+        <p:style>
+          <a:lnRef idx="2">
+            <a:schemeClr val="accent1">
+              <a:shade val="50000"/>
+            </a:schemeClr>
+          </a:lnRef>
+          <a:fillRef idx="1">
+            <a:schemeClr val="accent1"/>
+          </a:fillRef>
+          <a:effectRef idx="0">
+            <a:schemeClr val="accent1"/>
+          </a:effectRef>
+          <a:fontRef idx="minor">
+            <a:schemeClr val="lt1"/>
+          </a:fontRef>
+        </p:style>
+        <p:txBody>
+          <a:bodyPr rtlCol="0" anchor="ctr"/>
+          <a:lstStyle/>
+          <a:p>
+            <a:pPr algn="ctr"/>
+            <a:endParaRPr lang="de-DE"/>
+          </a:p>
+        </p:txBody>
+      </p:sp>
+      <p:sp>
+        <p:nvSpPr>
+          <p:cNvPr id="8" name="Ellipse 7">
+            <a:extLst>
+              <a:ext uri="{FF2B5EF4-FFF2-40B4-BE49-F238E27FC236}">
+                <a16:creationId xmlns:a16="http://schemas.microsoft.com/office/drawing/2014/main" id="{CB4A39DA-284E-4492-86DA-4A47E53C7522}"/>
+              </a:ext>
+            </a:extLst>
+          </p:cNvPr>
+          <p:cNvSpPr/>
+          <p:nvPr/>
+        </p:nvSpPr>
+        <p:spPr>
+          <a:xfrm>
+            <a:off x="592183" y="3338288"/>
+            <a:ext cx="565265" cy="565265"/>
+          </a:xfrm>
+          <a:prstGeom prst="ellipse">
+            <a:avLst/>
+          </a:prstGeom>
+          <a:noFill/>
+          <a:ln>
+            <a:solidFill>
+              <a:schemeClr val="tx1"/>
+            </a:solidFill>
+          </a:ln>
+        </p:spPr>
+        <p:style>
+          <a:lnRef idx="2">
+            <a:schemeClr val="accent1">
+              <a:shade val="50000"/>
+            </a:schemeClr>
+          </a:lnRef>
+          <a:fillRef idx="1">
+            <a:schemeClr val="accent1"/>
+          </a:fillRef>
+          <a:effectRef idx="0">
+            <a:schemeClr val="accent1"/>
+          </a:effectRef>
+          <a:fontRef idx="minor">
+            <a:schemeClr val="lt1"/>
+          </a:fontRef>
+        </p:style>
+        <p:txBody>
+          <a:bodyPr rtlCol="0" anchor="ctr"/>
+          <a:lstStyle/>
+          <a:p>
+            <a:pPr algn="ctr"/>
+            <a:endParaRPr lang="de-DE"/>
+          </a:p>
+        </p:txBody>
+      </p:sp>
+      <p:sp>
+        <p:nvSpPr>
+          <p:cNvPr id="13" name="Ellipse 12">
+            <a:extLst>
+              <a:ext uri="{FF2B5EF4-FFF2-40B4-BE49-F238E27FC236}">
+                <a16:creationId xmlns:a16="http://schemas.microsoft.com/office/drawing/2014/main" id="{AC02F07E-83CB-426A-AB1B-33B221D111B3}"/>
+              </a:ext>
+            </a:extLst>
+          </p:cNvPr>
+          <p:cNvSpPr/>
+          <p:nvPr/>
+        </p:nvSpPr>
+        <p:spPr>
+          <a:xfrm>
+            <a:off x="733497" y="3903553"/>
+            <a:ext cx="282633" cy="748145"/>
+          </a:xfrm>
+          <a:prstGeom prst="ellipse">
+            <a:avLst/>
+          </a:prstGeom>
+          <a:noFill/>
+          <a:ln>
+            <a:solidFill>
+              <a:schemeClr val="tx1"/>
+            </a:solidFill>
+          </a:ln>
+        </p:spPr>
+        <p:style>
+          <a:lnRef idx="2">
+            <a:schemeClr val="accent1">
+              <a:shade val="50000"/>
+            </a:schemeClr>
+          </a:lnRef>
+          <a:fillRef idx="1">
+            <a:schemeClr val="accent1"/>
+          </a:fillRef>
+          <a:effectRef idx="0">
+            <a:schemeClr val="accent1"/>
+          </a:effectRef>
+          <a:fontRef idx="minor">
+            <a:schemeClr val="lt1"/>
+          </a:fontRef>
+        </p:style>
+        <p:txBody>
+          <a:bodyPr rtlCol="0" anchor="ctr"/>
+          <a:lstStyle/>
+          <a:p>
+            <a:pPr algn="ctr"/>
+            <a:endParaRPr lang="de-DE"/>
+          </a:p>
+        </p:txBody>
+      </p:sp>
+      <p:cxnSp>
+        <p:nvCxnSpPr>
+          <p:cNvPr id="15" name="Gerader Verbinder 14">
+            <a:extLst>
+              <a:ext uri="{FF2B5EF4-FFF2-40B4-BE49-F238E27FC236}">
+                <a16:creationId xmlns:a16="http://schemas.microsoft.com/office/drawing/2014/main" id="{A4EC0939-D738-4C50-B03E-E689D9C3EC8B}"/>
+              </a:ext>
+            </a:extLst>
+          </p:cNvPr>
+          <p:cNvCxnSpPr>
+            <a:cxnSpLocks/>
+          </p:cNvCxnSpPr>
+          <p:nvPr/>
+        </p:nvCxnSpPr>
+        <p:spPr>
+          <a:xfrm>
+            <a:off x="910442" y="4627946"/>
+            <a:ext cx="105688" cy="408510"/>
+          </a:xfrm>
+          <a:prstGeom prst="line">
+            <a:avLst/>
+          </a:prstGeom>
+          <a:ln w="19050">
+            <a:solidFill>
+              <a:schemeClr val="tx1"/>
+            </a:solidFill>
+          </a:ln>
+        </p:spPr>
+        <p:style>
+          <a:lnRef idx="1">
+            <a:schemeClr val="accent1"/>
+          </a:lnRef>
+          <a:fillRef idx="0">
+            <a:schemeClr val="accent1"/>
+          </a:fillRef>
+          <a:effectRef idx="0">
+            <a:schemeClr val="accent1"/>
+          </a:effectRef>
+          <a:fontRef idx="minor">
+            <a:schemeClr val="tx1"/>
+          </a:fontRef>
+        </p:style>
+      </p:cxnSp>
+      <p:cxnSp>
+        <p:nvCxnSpPr>
+          <p:cNvPr id="19" name="Gerader Verbinder 18">
+            <a:extLst>
+              <a:ext uri="{FF2B5EF4-FFF2-40B4-BE49-F238E27FC236}">
+                <a16:creationId xmlns:a16="http://schemas.microsoft.com/office/drawing/2014/main" id="{E951F6CE-4B9D-4EEA-8264-83E2B7FA8A4A}"/>
+              </a:ext>
+            </a:extLst>
+          </p:cNvPr>
+          <p:cNvCxnSpPr>
+            <a:cxnSpLocks/>
+          </p:cNvCxnSpPr>
+          <p:nvPr/>
+        </p:nvCxnSpPr>
+        <p:spPr>
+          <a:xfrm flipH="1">
+            <a:off x="650960" y="4604193"/>
+            <a:ext cx="141320" cy="432263"/>
+          </a:xfrm>
+          <a:prstGeom prst="line">
+            <a:avLst/>
+          </a:prstGeom>
+          <a:ln w="19050">
+            <a:solidFill>
+              <a:schemeClr val="tx1"/>
+            </a:solidFill>
+          </a:ln>
+        </p:spPr>
+        <p:style>
+          <a:lnRef idx="1">
+            <a:schemeClr val="accent1"/>
+          </a:lnRef>
+          <a:fillRef idx="0">
+            <a:schemeClr val="accent1"/>
+          </a:fillRef>
+          <a:effectRef idx="0">
+            <a:schemeClr val="accent1"/>
+          </a:effectRef>
+          <a:fontRef idx="minor">
+            <a:schemeClr val="tx1"/>
+          </a:fontRef>
+        </p:style>
+      </p:cxnSp>
+      <p:cxnSp>
+        <p:nvCxnSpPr>
+          <p:cNvPr id="22" name="Gerader Verbinder 21">
+            <a:extLst>
+              <a:ext uri="{FF2B5EF4-FFF2-40B4-BE49-F238E27FC236}">
+                <a16:creationId xmlns:a16="http://schemas.microsoft.com/office/drawing/2014/main" id="{4A4BD572-705D-4462-B8DE-BB66E75E0B41}"/>
+              </a:ext>
+            </a:extLst>
+          </p:cNvPr>
+          <p:cNvCxnSpPr>
+            <a:cxnSpLocks/>
+          </p:cNvCxnSpPr>
+          <p:nvPr/>
+        </p:nvCxnSpPr>
+        <p:spPr>
+          <a:xfrm flipH="1" flipV="1">
+            <a:off x="397575" y="3807380"/>
+            <a:ext cx="477238" cy="237881"/>
+          </a:xfrm>
+          <a:prstGeom prst="line">
+            <a:avLst/>
+          </a:prstGeom>
+          <a:ln w="19050">
+            <a:solidFill>
+              <a:schemeClr val="tx1"/>
+            </a:solidFill>
+          </a:ln>
+        </p:spPr>
+        <p:style>
+          <a:lnRef idx="1">
+            <a:schemeClr val="accent1"/>
+          </a:lnRef>
+          <a:fillRef idx="0">
+            <a:schemeClr val="accent1"/>
+          </a:fillRef>
+          <a:effectRef idx="0">
+            <a:schemeClr val="accent1"/>
+          </a:effectRef>
+          <a:fontRef idx="minor">
+            <a:schemeClr val="tx1"/>
+          </a:fontRef>
+        </p:style>
+      </p:cxnSp>
+      <p:sp>
+        <p:nvSpPr>
+          <p:cNvPr id="24" name="Ellipse 23">
+            <a:extLst>
+              <a:ext uri="{FF2B5EF4-FFF2-40B4-BE49-F238E27FC236}">
+                <a16:creationId xmlns:a16="http://schemas.microsoft.com/office/drawing/2014/main" id="{F3E315A8-298A-40B3-954A-3A5B15EF4E21}"/>
+              </a:ext>
+            </a:extLst>
+          </p:cNvPr>
+          <p:cNvSpPr/>
+          <p:nvPr/>
+        </p:nvSpPr>
+        <p:spPr>
+          <a:xfrm>
+            <a:off x="875112" y="3496129"/>
+            <a:ext cx="200100" cy="115294"/>
+          </a:xfrm>
+          <a:prstGeom prst="ellipse">
+            <a:avLst/>
+          </a:prstGeom>
+          <a:solidFill>
+            <a:schemeClr val="bg1"/>
+          </a:solidFill>
+          <a:ln>
+            <a:solidFill>
+              <a:schemeClr val="tx1"/>
+            </a:solidFill>
+          </a:ln>
+        </p:spPr>
+        <p:style>
+          <a:lnRef idx="2">
+            <a:schemeClr val="accent1">
+              <a:shade val="50000"/>
+            </a:schemeClr>
+          </a:lnRef>
+          <a:fillRef idx="1">
+            <a:schemeClr val="accent1"/>
+          </a:fillRef>
+          <a:effectRef idx="0">
+            <a:schemeClr val="accent1"/>
+          </a:effectRef>
+          <a:fontRef idx="minor">
+            <a:schemeClr val="lt1"/>
+          </a:fontRef>
+        </p:style>
+        <p:txBody>
+          <a:bodyPr rtlCol="0" anchor="ctr"/>
+          <a:lstStyle/>
+          <a:p>
+            <a:pPr algn="ctr"/>
+            <a:endParaRPr lang="de-DE"/>
+          </a:p>
+        </p:txBody>
+      </p:sp>
+      <p:sp>
+        <p:nvSpPr>
+          <p:cNvPr id="25" name="Ellipse 24">
+            <a:extLst>
+              <a:ext uri="{FF2B5EF4-FFF2-40B4-BE49-F238E27FC236}">
+                <a16:creationId xmlns:a16="http://schemas.microsoft.com/office/drawing/2014/main" id="{9575E429-7A37-4150-9D70-10C314F2EFE5}"/>
+              </a:ext>
+            </a:extLst>
+          </p:cNvPr>
+          <p:cNvSpPr/>
+          <p:nvPr/>
+        </p:nvSpPr>
+        <p:spPr>
+          <a:xfrm>
+            <a:off x="919194" y="3522695"/>
+            <a:ext cx="71366" cy="65484"/>
+          </a:xfrm>
+          <a:prstGeom prst="ellipse">
+            <a:avLst/>
+          </a:prstGeom>
+          <a:solidFill>
+            <a:schemeClr val="tx1"/>
+          </a:solidFill>
+          <a:ln>
+            <a:noFill/>
+          </a:ln>
+        </p:spPr>
+        <p:style>
+          <a:lnRef idx="2">
+            <a:schemeClr val="accent1">
+              <a:shade val="50000"/>
+            </a:schemeClr>
+          </a:lnRef>
+          <a:fillRef idx="1">
+            <a:schemeClr val="accent1"/>
+          </a:fillRef>
+          <a:effectRef idx="0">
+            <a:schemeClr val="accent1"/>
+          </a:effectRef>
+          <a:fontRef idx="minor">
+            <a:schemeClr val="lt1"/>
+          </a:fontRef>
+        </p:style>
+        <p:txBody>
+          <a:bodyPr rtlCol="0" anchor="ctr"/>
+          <a:lstStyle/>
+          <a:p>
+            <a:pPr algn="ctr"/>
+            <a:endParaRPr lang="de-DE"/>
+          </a:p>
+        </p:txBody>
+      </p:sp>
+      <p:sp>
+        <p:nvSpPr>
+          <p:cNvPr id="27" name="Ellipse 26">
+            <a:extLst>
+              <a:ext uri="{FF2B5EF4-FFF2-40B4-BE49-F238E27FC236}">
+                <a16:creationId xmlns:a16="http://schemas.microsoft.com/office/drawing/2014/main" id="{E35A3B05-CCA6-42D6-B85D-B77DC9033BA3}"/>
+              </a:ext>
+            </a:extLst>
+          </p:cNvPr>
+          <p:cNvSpPr/>
+          <p:nvPr/>
+        </p:nvSpPr>
+        <p:spPr>
+          <a:xfrm>
+            <a:off x="971452" y="3763838"/>
+            <a:ext cx="141318" cy="46264"/>
+          </a:xfrm>
+          <a:prstGeom prst="ellipse">
+            <a:avLst/>
+          </a:prstGeom>
+          <a:noFill/>
+          <a:ln>
+            <a:solidFill>
+              <a:schemeClr val="tx1"/>
+            </a:solidFill>
+          </a:ln>
+        </p:spPr>
+        <p:style>
+          <a:lnRef idx="2">
+            <a:schemeClr val="accent1">
+              <a:shade val="50000"/>
+            </a:schemeClr>
+          </a:lnRef>
+          <a:fillRef idx="1">
+            <a:schemeClr val="accent1"/>
+          </a:fillRef>
+          <a:effectRef idx="0">
+            <a:schemeClr val="accent1"/>
+          </a:effectRef>
+          <a:fontRef idx="minor">
+            <a:schemeClr val="lt1"/>
+          </a:fontRef>
+        </p:style>
+        <p:txBody>
+          <a:bodyPr rtlCol="0" anchor="ctr"/>
+          <a:lstStyle/>
+          <a:p>
+            <a:pPr algn="ctr"/>
+            <a:endParaRPr lang="de-DE"/>
+          </a:p>
+        </p:txBody>
+      </p:sp>
+      <p:cxnSp>
+        <p:nvCxnSpPr>
+          <p:cNvPr id="30" name="Gerader Verbinder 29">
+            <a:extLst>
+              <a:ext uri="{FF2B5EF4-FFF2-40B4-BE49-F238E27FC236}">
+                <a16:creationId xmlns:a16="http://schemas.microsoft.com/office/drawing/2014/main" id="{09236769-F5FE-4866-9E27-416ECF3F89D6}"/>
+              </a:ext>
+            </a:extLst>
+          </p:cNvPr>
+          <p:cNvCxnSpPr>
+            <a:cxnSpLocks/>
+          </p:cNvCxnSpPr>
+          <p:nvPr/>
+        </p:nvCxnSpPr>
+        <p:spPr>
+          <a:xfrm>
+            <a:off x="1075742" y="3788356"/>
+            <a:ext cx="79263" cy="19024"/>
+          </a:xfrm>
+          <a:prstGeom prst="line">
+            <a:avLst/>
+          </a:prstGeom>
+          <a:ln w="28575">
+            <a:solidFill>
+              <a:schemeClr val="bg1"/>
+            </a:solidFill>
+          </a:ln>
+        </p:spPr>
+        <p:style>
+          <a:lnRef idx="1">
+            <a:schemeClr val="accent1"/>
+          </a:lnRef>
+          <a:fillRef idx="0">
+            <a:schemeClr val="accent1"/>
+          </a:fillRef>
+          <a:effectRef idx="0">
+            <a:schemeClr val="accent1"/>
+          </a:effectRef>
+          <a:fontRef idx="minor">
+            <a:schemeClr val="tx1"/>
+          </a:fontRef>
+        </p:style>
+      </p:cxnSp>
+      <p:pic>
+        <p:nvPicPr>
+          <p:cNvPr id="1026" name="Picture 2" descr="Sombrero Hut Mexiko - Kostenloses Bild auf Pixabay">
+            <a:extLst>
+              <a:ext uri="{FF2B5EF4-FFF2-40B4-BE49-F238E27FC236}">
+                <a16:creationId xmlns:a16="http://schemas.microsoft.com/office/drawing/2014/main" id="{52FE3A50-B43A-4458-8532-05EDCF3BFD53}"/>
+              </a:ext>
+            </a:extLst>
+          </p:cNvPr>
+          <p:cNvPicPr>
+            <a:picLocks noChangeAspect="1" noChangeArrowheads="1"/>
+          </p:cNvPicPr>
+          <p:nvPr/>
+        </p:nvPicPr>
+        <p:blipFill rotWithShape="1">
+          <a:blip r:embed="rId3">
+            <a:extLst>
+              <a:ext uri="{28A0092B-C50C-407E-A947-70E740481C1C}">
+                <a14:useLocalDpi xmlns:a14="http://schemas.microsoft.com/office/drawing/2010/main" val="0"/>
+              </a:ext>
+            </a:extLst>
+          </a:blip>
+          <a:srcRect b="21693"/>
+          <a:stretch/>
+        </p:blipFill>
+        <p:spPr bwMode="auto">
+          <a:xfrm rot="20606391">
+            <a:off x="398739" y="2977877"/>
+            <a:ext cx="676002" cy="506155"/>
+          </a:xfrm>
+          <a:prstGeom prst="rect">
+            <a:avLst/>
+          </a:prstGeom>
+          <a:noFill/>
+          <a:extLst>
+            <a:ext uri="{909E8E84-426E-40DD-AFC4-6F175D3DCCD1}">
+              <a14:hiddenFill xmlns:a14="http://schemas.microsoft.com/office/drawing/2010/main">
+                <a:solidFill>
+                  <a:srgbClr val="FFFFFF"/>
+                </a:solidFill>
+              </a14:hiddenFill>
+            </a:ext>
+          </a:extLst>
+        </p:spPr>
+      </p:pic>
+      <p:pic>
+        <p:nvPicPr>
+          <p:cNvPr id="71" name="Picture 2" descr="Sombrero Hut Mexiko - Kostenloses Bild auf Pixabay">
+            <a:extLst>
+              <a:ext uri="{FF2B5EF4-FFF2-40B4-BE49-F238E27FC236}">
+                <a16:creationId xmlns:a16="http://schemas.microsoft.com/office/drawing/2014/main" id="{C6E9CE88-E1F2-40F1-B6DD-963BD17F62F0}"/>
+              </a:ext>
+            </a:extLst>
+          </p:cNvPr>
+          <p:cNvPicPr>
+            <a:picLocks noChangeAspect="1" noChangeArrowheads="1"/>
+          </p:cNvPicPr>
+          <p:nvPr/>
+        </p:nvPicPr>
+        <p:blipFill rotWithShape="1">
+          <a:blip r:embed="rId3">
+            <a:extLst>
+              <a:ext uri="{28A0092B-C50C-407E-A947-70E740481C1C}">
+                <a14:useLocalDpi xmlns:a14="http://schemas.microsoft.com/office/drawing/2010/main" val="0"/>
+              </a:ext>
+            </a:extLst>
+          </a:blip>
+          <a:srcRect t="77925"/>
+          <a:stretch/>
+        </p:blipFill>
+        <p:spPr bwMode="auto">
+          <a:xfrm rot="20606391">
+            <a:off x="811053" y="3619931"/>
+            <a:ext cx="676002" cy="142688"/>
+          </a:xfrm>
+          <a:prstGeom prst="rect">
+            <a:avLst/>
+          </a:prstGeom>
+          <a:noFill/>
+          <a:extLst>
+            <a:ext uri="{909E8E84-426E-40DD-AFC4-6F175D3DCCD1}">
+              <a14:hiddenFill xmlns:a14="http://schemas.microsoft.com/office/drawing/2010/main">
+                <a:solidFill>
+                  <a:srgbClr val="FFFFFF"/>
+                </a:solidFill>
+              </a14:hiddenFill>
+            </a:ext>
+          </a:extLst>
+        </p:spPr>
+      </p:pic>
+      <p:sp>
+        <p:nvSpPr>
+          <p:cNvPr id="67" name="Textfeld 66">
+            <a:extLst>
+              <a:ext uri="{FF2B5EF4-FFF2-40B4-BE49-F238E27FC236}">
+                <a16:creationId xmlns:a16="http://schemas.microsoft.com/office/drawing/2014/main" id="{E47A6948-327A-4EAF-A110-3C3E89A9E2EC}"/>
+              </a:ext>
+            </a:extLst>
+          </p:cNvPr>
+          <p:cNvSpPr txBox="1"/>
+          <p:nvPr/>
+        </p:nvSpPr>
+        <p:spPr>
+          <a:xfrm>
+            <a:off x="11227302" y="137886"/>
+            <a:ext cx="772969" cy="369332"/>
+          </a:xfrm>
+          <a:prstGeom prst="rect">
+            <a:avLst/>
+          </a:prstGeom>
+          <a:noFill/>
+        </p:spPr>
+        <p:txBody>
+          <a:bodyPr wrap="none" rtlCol="0">
+            <a:spAutoFit/>
+          </a:bodyPr>
+          <a:lstStyle/>
+          <a:p>
+            <a:r>
+              <a:rPr lang="de-DE" dirty="0"/>
+              <a:t>411 m</a:t>
+            </a:r>
+          </a:p>
+        </p:txBody>
+      </p:sp>
+      <p:sp>
+        <p:nvSpPr>
+          <p:cNvPr id="72" name="Rechteck 71">
+            <a:extLst>
+              <a:ext uri="{FF2B5EF4-FFF2-40B4-BE49-F238E27FC236}">
+                <a16:creationId xmlns:a16="http://schemas.microsoft.com/office/drawing/2014/main" id="{E699072C-F4F9-4157-BAD5-0E6ED5E0ACB4}"/>
+              </a:ext>
+            </a:extLst>
+          </p:cNvPr>
+          <p:cNvSpPr/>
+          <p:nvPr/>
+        </p:nvSpPr>
+        <p:spPr>
+          <a:xfrm>
+            <a:off x="7286173" y="199180"/>
+            <a:ext cx="3120571" cy="261257"/>
+          </a:xfrm>
+          <a:prstGeom prst="rect">
+            <a:avLst/>
+          </a:prstGeom>
+          <a:solidFill>
+            <a:srgbClr val="FF0000"/>
+          </a:solidFill>
+        </p:spPr>
+        <p:style>
+          <a:lnRef idx="2">
+            <a:schemeClr val="accent1">
+              <a:shade val="50000"/>
+            </a:schemeClr>
+          </a:lnRef>
+          <a:fillRef idx="1">
+            <a:schemeClr val="accent1"/>
+          </a:fillRef>
+          <a:effectRef idx="0">
+            <a:schemeClr val="accent1"/>
+          </a:effectRef>
+          <a:fontRef idx="minor">
+            <a:schemeClr val="lt1"/>
+          </a:fontRef>
+        </p:style>
+        <p:txBody>
+          <a:bodyPr rtlCol="0" anchor="ctr"/>
+          <a:lstStyle/>
+          <a:p>
+            <a:pPr algn="ctr"/>
+            <a:r>
+              <a:rPr lang="de-DE" dirty="0"/>
+              <a:t>Energy</a:t>
+            </a:r>
+          </a:p>
+        </p:txBody>
+      </p:sp>
+      <p:grpSp>
+        <p:nvGrpSpPr>
+          <p:cNvPr id="2" name="Gruppieren 1">
+            <a:extLst>
+              <a:ext uri="{FF2B5EF4-FFF2-40B4-BE49-F238E27FC236}">
+                <a16:creationId xmlns:a16="http://schemas.microsoft.com/office/drawing/2014/main" id="{7128B4D0-A0E7-4A38-ACB0-9D0BA97B3ADF}"/>
+              </a:ext>
+            </a:extLst>
+          </p:cNvPr>
+          <p:cNvGrpSpPr/>
+          <p:nvPr/>
+        </p:nvGrpSpPr>
+        <p:grpSpPr>
+          <a:xfrm>
+            <a:off x="8846457" y="1124309"/>
+            <a:ext cx="3004917" cy="4230546"/>
+            <a:chOff x="8846457" y="1124309"/>
+            <a:chExt cx="3004917" cy="4230546"/>
+          </a:xfrm>
+        </p:grpSpPr>
+        <p:pic>
+          <p:nvPicPr>
+            <p:cNvPr id="1040" name="Picture 8" descr="Huhn-Cartoon">
+              <a:extLst>
+                <a:ext uri="{FF2B5EF4-FFF2-40B4-BE49-F238E27FC236}">
+                  <a16:creationId xmlns:a16="http://schemas.microsoft.com/office/drawing/2014/main" id="{2F040F39-BDBE-4763-868F-CA950B46854B}"/>
+                </a:ext>
+              </a:extLst>
+            </p:cNvPr>
+            <p:cNvPicPr>
+              <a:picLocks noChangeAspect="1" noChangeArrowheads="1"/>
+            </p:cNvPicPr>
+            <p:nvPr/>
+          </p:nvPicPr>
+          <p:blipFill>
+            <a:blip r:embed="rId4">
+              <a:clrChange>
+                <a:clrFrom>
+                  <a:srgbClr val="FFFFFF"/>
+                </a:clrFrom>
+                <a:clrTo>
+                  <a:srgbClr val="FFFFFF">
+                    <a:alpha val="0"/>
+                  </a:srgbClr>
+                </a:clrTo>
+              </a:clrChange>
+              <a:extLst>
+                <a:ext uri="{28A0092B-C50C-407E-A947-70E740481C1C}">
+                  <a14:useLocalDpi xmlns:a14="http://schemas.microsoft.com/office/drawing/2010/main" val="0"/>
+                </a:ext>
+              </a:extLst>
+            </a:blip>
+            <a:srcRect/>
+            <a:stretch>
+              <a:fillRect/>
+            </a:stretch>
+          </p:blipFill>
+          <p:spPr bwMode="auto">
+            <a:xfrm flipH="1">
+              <a:off x="8846457" y="1124309"/>
+              <a:ext cx="3004917" cy="4230546"/>
+            </a:xfrm>
+            <a:prstGeom prst="rect">
+              <a:avLst/>
+            </a:prstGeom>
+            <a:noFill/>
+            <a:extLst>
+              <a:ext uri="{909E8E84-426E-40DD-AFC4-6F175D3DCCD1}">
+                <a14:hiddenFill xmlns:a14="http://schemas.microsoft.com/office/drawing/2010/main">
+                  <a:solidFill>
+                    <a:srgbClr val="FFFFFF"/>
+                  </a:solidFill>
+                </a14:hiddenFill>
+              </a:ext>
+            </a:extLst>
+          </p:spPr>
+        </p:pic>
+        <p:cxnSp>
+          <p:nvCxnSpPr>
+            <p:cNvPr id="3" name="Gerader Verbinder 2">
+              <a:extLst>
+                <a:ext uri="{FF2B5EF4-FFF2-40B4-BE49-F238E27FC236}">
+                  <a16:creationId xmlns:a16="http://schemas.microsoft.com/office/drawing/2014/main" id="{3B73F077-F075-47B3-AD09-FBE753A83A94}"/>
+                </a:ext>
+              </a:extLst>
+            </p:cNvPr>
+            <p:cNvCxnSpPr>
+              <a:cxnSpLocks/>
+            </p:cNvCxnSpPr>
+            <p:nvPr/>
+          </p:nvCxnSpPr>
+          <p:spPr>
+            <a:xfrm>
+              <a:off x="9198428" y="2210513"/>
+              <a:ext cx="290286" cy="181428"/>
+            </a:xfrm>
+            <a:prstGeom prst="line">
+              <a:avLst/>
+            </a:prstGeom>
+            <a:ln w="79375">
+              <a:solidFill>
+                <a:schemeClr val="tx1"/>
+              </a:solidFill>
+            </a:ln>
+          </p:spPr>
+          <p:style>
+            <a:lnRef idx="1">
+              <a:schemeClr val="accent1"/>
+            </a:lnRef>
+            <a:fillRef idx="0">
+              <a:schemeClr val="accent1"/>
+            </a:fillRef>
+            <a:effectRef idx="0">
+              <a:schemeClr val="accent1"/>
+            </a:effectRef>
+            <a:fontRef idx="minor">
+              <a:schemeClr val="tx1"/>
+            </a:fontRef>
+          </p:style>
+        </p:cxnSp>
+        <p:cxnSp>
+          <p:nvCxnSpPr>
+            <p:cNvPr id="60" name="Gerader Verbinder 59">
+              <a:extLst>
+                <a:ext uri="{FF2B5EF4-FFF2-40B4-BE49-F238E27FC236}">
+                  <a16:creationId xmlns:a16="http://schemas.microsoft.com/office/drawing/2014/main" id="{CF8DE16F-716A-414A-8524-CCE2F831B0C3}"/>
+                </a:ext>
+              </a:extLst>
+            </p:cNvPr>
+            <p:cNvCxnSpPr>
+              <a:cxnSpLocks/>
+            </p:cNvCxnSpPr>
+            <p:nvPr/>
+          </p:nvCxnSpPr>
+          <p:spPr>
+            <a:xfrm flipH="1">
+              <a:off x="9623738" y="2221077"/>
+              <a:ext cx="277585" cy="159656"/>
+            </a:xfrm>
+            <a:prstGeom prst="line">
+              <a:avLst/>
+            </a:prstGeom>
+            <a:ln w="79375">
+              <a:solidFill>
+                <a:schemeClr val="tx1"/>
+              </a:solidFill>
+            </a:ln>
+          </p:spPr>
+          <p:style>
+            <a:lnRef idx="1">
+              <a:schemeClr val="accent1"/>
+            </a:lnRef>
+            <a:fillRef idx="0">
+              <a:schemeClr val="accent1"/>
+            </a:fillRef>
+            <a:effectRef idx="0">
+              <a:schemeClr val="accent1"/>
+            </a:effectRef>
+            <a:fontRef idx="minor">
+              <a:schemeClr val="tx1"/>
+            </a:fontRef>
+          </p:style>
+        </p:cxnSp>
+      </p:grpSp>
+      <p:pic>
+        <p:nvPicPr>
+          <p:cNvPr id="68" name="Picture 8">
+            <a:extLst>
+              <a:ext uri="{FF2B5EF4-FFF2-40B4-BE49-F238E27FC236}">
+                <a16:creationId xmlns:a16="http://schemas.microsoft.com/office/drawing/2014/main" id="{628B07BE-48DD-4843-ABF9-DAC6F8D53072}"/>
+              </a:ext>
+            </a:extLst>
+          </p:cNvPr>
+          <p:cNvPicPr>
+            <a:picLocks noChangeAspect="1" noChangeArrowheads="1"/>
+          </p:cNvPicPr>
+          <p:nvPr/>
+        </p:nvPicPr>
+        <p:blipFill>
+          <a:blip r:embed="rId5">
+            <a:extLst>
+              <a:ext uri="{28A0092B-C50C-407E-A947-70E740481C1C}">
+                <a14:useLocalDpi xmlns:a14="http://schemas.microsoft.com/office/drawing/2010/main" val="0"/>
+              </a:ext>
+            </a:extLst>
+          </a:blip>
+          <a:srcRect/>
+          <a:stretch>
+            <a:fillRect/>
+          </a:stretch>
+        </p:blipFill>
+        <p:spPr bwMode="auto">
+          <a:xfrm>
+            <a:off x="246939" y="3243940"/>
+            <a:ext cx="637194" cy="677838"/>
+          </a:xfrm>
+          <a:prstGeom prst="rect">
+            <a:avLst/>
+          </a:prstGeom>
+          <a:noFill/>
+          <a:extLst>
+            <a:ext uri="{909E8E84-426E-40DD-AFC4-6F175D3DCCD1}">
+              <a14:hiddenFill xmlns:a14="http://schemas.microsoft.com/office/drawing/2010/main">
+                <a:solidFill>
+                  <a:srgbClr val="FFFFFF"/>
+                </a:solidFill>
+              </a14:hiddenFill>
+            </a:ext>
+          </a:extLst>
+        </p:spPr>
+      </p:pic>
+      <p:pic>
+        <p:nvPicPr>
+          <p:cNvPr id="23" name="Picture 8">
+            <a:extLst>
+              <a:ext uri="{FF2B5EF4-FFF2-40B4-BE49-F238E27FC236}">
+                <a16:creationId xmlns:a16="http://schemas.microsoft.com/office/drawing/2014/main" id="{CC19497F-C2DF-43DF-8E17-D51902AB5A3B}"/>
+              </a:ext>
+            </a:extLst>
+          </p:cNvPr>
+          <p:cNvPicPr>
+            <a:picLocks noChangeAspect="1" noChangeArrowheads="1"/>
+          </p:cNvPicPr>
+          <p:nvPr/>
+        </p:nvPicPr>
+        <p:blipFill>
+          <a:blip r:embed="rId5">
+            <a:extLst>
+              <a:ext uri="{28A0092B-C50C-407E-A947-70E740481C1C}">
+                <a14:useLocalDpi xmlns:a14="http://schemas.microsoft.com/office/drawing/2010/main" val="0"/>
+              </a:ext>
+            </a:extLst>
+          </a:blip>
+          <a:srcRect/>
+          <a:stretch>
+            <a:fillRect/>
+          </a:stretch>
+        </p:blipFill>
+        <p:spPr bwMode="auto">
+          <a:xfrm rot="18900000">
+            <a:off x="3222104" y="4403640"/>
+            <a:ext cx="637194" cy="677838"/>
+          </a:xfrm>
+          <a:prstGeom prst="rect">
+            <a:avLst/>
+          </a:prstGeom>
+          <a:noFill/>
+          <a:extLst>
+            <a:ext uri="{909E8E84-426E-40DD-AFC4-6F175D3DCCD1}">
+              <a14:hiddenFill xmlns:a14="http://schemas.microsoft.com/office/drawing/2010/main">
+                <a:solidFill>
+                  <a:srgbClr val="FFFFFF"/>
+                </a:solidFill>
+              </a14:hiddenFill>
+            </a:ext>
+          </a:extLst>
+        </p:spPr>
+      </p:pic>
+      <p:cxnSp>
+        <p:nvCxnSpPr>
+          <p:cNvPr id="26" name="Gerader Verbinder 25">
+            <a:extLst>
+              <a:ext uri="{FF2B5EF4-FFF2-40B4-BE49-F238E27FC236}">
+                <a16:creationId xmlns:a16="http://schemas.microsoft.com/office/drawing/2014/main" id="{F7BCA1A6-CC93-4AF7-9C14-A9854EFBDECE}"/>
+              </a:ext>
+            </a:extLst>
+          </p:cNvPr>
+          <p:cNvCxnSpPr>
+            <a:cxnSpLocks/>
+          </p:cNvCxnSpPr>
+          <p:nvPr/>
+        </p:nvCxnSpPr>
+        <p:spPr>
+          <a:xfrm>
+            <a:off x="9614436" y="2220083"/>
+            <a:ext cx="272910" cy="171858"/>
+          </a:xfrm>
+          <a:prstGeom prst="line">
+            <a:avLst/>
+          </a:prstGeom>
+          <a:ln w="79375">
+            <a:solidFill>
+              <a:schemeClr val="tx1"/>
+            </a:solidFill>
+          </a:ln>
+        </p:spPr>
+        <p:style>
+          <a:lnRef idx="1">
+            <a:schemeClr val="accent1"/>
+          </a:lnRef>
+          <a:fillRef idx="0">
+            <a:schemeClr val="accent1"/>
+          </a:fillRef>
+          <a:effectRef idx="0">
+            <a:schemeClr val="accent1"/>
+          </a:effectRef>
+          <a:fontRef idx="minor">
+            <a:schemeClr val="tx1"/>
+          </a:fontRef>
+        </p:style>
+      </p:cxnSp>
+      <p:cxnSp>
+        <p:nvCxnSpPr>
+          <p:cNvPr id="28" name="Gerader Verbinder 27">
+            <a:extLst>
+              <a:ext uri="{FF2B5EF4-FFF2-40B4-BE49-F238E27FC236}">
+                <a16:creationId xmlns:a16="http://schemas.microsoft.com/office/drawing/2014/main" id="{B0DAAD84-030C-458A-9384-C9D21586A11E}"/>
+              </a:ext>
+            </a:extLst>
+          </p:cNvPr>
+          <p:cNvCxnSpPr>
+            <a:cxnSpLocks/>
+          </p:cNvCxnSpPr>
+          <p:nvPr/>
+        </p:nvCxnSpPr>
+        <p:spPr>
+          <a:xfrm flipH="1">
+            <a:off x="9217507" y="2218514"/>
+            <a:ext cx="277585" cy="159656"/>
+          </a:xfrm>
+          <a:prstGeom prst="line">
+            <a:avLst/>
+          </a:prstGeom>
+          <a:ln w="79375">
+            <a:solidFill>
+              <a:schemeClr val="tx1"/>
+            </a:solidFill>
+          </a:ln>
+        </p:spPr>
+        <p:style>
+          <a:lnRef idx="1">
+            <a:schemeClr val="accent1"/>
+          </a:lnRef>
+          <a:fillRef idx="0">
+            <a:schemeClr val="accent1"/>
+          </a:fillRef>
+          <a:effectRef idx="0">
+            <a:schemeClr val="accent1"/>
+          </a:effectRef>
+          <a:fontRef idx="minor">
+            <a:schemeClr val="tx1"/>
+          </a:fontRef>
+        </p:style>
+      </p:cxnSp>
+    </p:spTree>
+    <p:extLst>
+      <p:ext uri="{BB962C8B-B14F-4D97-AF65-F5344CB8AC3E}">
+        <p14:creationId xmlns:p14="http://schemas.microsoft.com/office/powerpoint/2010/main" val="3593022217"/>
       </p:ext>
     </p:extLst>
   </p:cSld>
